--- a/240311/slide theory.pptx
+++ b/240311/slide theory.pptx
@@ -7,6 +7,7 @@
   <p:sldIdLst>
     <p:sldId id="256" r:id="rId2"/>
     <p:sldId id="257" r:id="rId3"/>
+    <p:sldId id="258" r:id="rId4"/>
   </p:sldIdLst>
   <p:sldSz cx="12192000" cy="6858000"/>
   <p:notesSz cx="6858000" cy="9144000"/>
@@ -105,6 +106,11 @@
       </a:defRPr>
     </a:lvl9pPr>
   </p:defaultTextStyle>
+  <p:extLst>
+    <p:ext uri="{EFAFB233-063F-42B5-8137-9DF3F51BA10A}">
+      <p15:sldGuideLst xmlns:p15="http://schemas.microsoft.com/office/powerpoint/2012/main"/>
+    </p:ext>
+  </p:extLst>
 </p:presentation>
 </file>
 
@@ -239,7 +245,7 @@
           <a:p>
             <a:fld id="{5AC3791D-9F19-4C4C-B13F-69E095D0287D}" type="datetimeFigureOut">
               <a:rPr lang="ko-KR" altLang="en-US" smtClean="0"/>
-              <a:t>2024-03-11</a:t>
+              <a:t>2024-03-12</a:t>
             </a:fld>
             <a:endParaRPr lang="ko-KR" altLang="en-US"/>
           </a:p>
@@ -409,7 +415,7 @@
           <a:p>
             <a:fld id="{5AC3791D-9F19-4C4C-B13F-69E095D0287D}" type="datetimeFigureOut">
               <a:rPr lang="ko-KR" altLang="en-US" smtClean="0"/>
-              <a:t>2024-03-11</a:t>
+              <a:t>2024-03-12</a:t>
             </a:fld>
             <a:endParaRPr lang="ko-KR" altLang="en-US"/>
           </a:p>
@@ -589,7 +595,7 @@
           <a:p>
             <a:fld id="{5AC3791D-9F19-4C4C-B13F-69E095D0287D}" type="datetimeFigureOut">
               <a:rPr lang="ko-KR" altLang="en-US" smtClean="0"/>
-              <a:t>2024-03-11</a:t>
+              <a:t>2024-03-12</a:t>
             </a:fld>
             <a:endParaRPr lang="ko-KR" altLang="en-US"/>
           </a:p>
@@ -759,7 +765,7 @@
           <a:p>
             <a:fld id="{5AC3791D-9F19-4C4C-B13F-69E095D0287D}" type="datetimeFigureOut">
               <a:rPr lang="ko-KR" altLang="en-US" smtClean="0"/>
-              <a:t>2024-03-11</a:t>
+              <a:t>2024-03-12</a:t>
             </a:fld>
             <a:endParaRPr lang="ko-KR" altLang="en-US"/>
           </a:p>
@@ -1005,7 +1011,7 @@
           <a:p>
             <a:fld id="{5AC3791D-9F19-4C4C-B13F-69E095D0287D}" type="datetimeFigureOut">
               <a:rPr lang="ko-KR" altLang="en-US" smtClean="0"/>
-              <a:t>2024-03-11</a:t>
+              <a:t>2024-03-12</a:t>
             </a:fld>
             <a:endParaRPr lang="ko-KR" altLang="en-US"/>
           </a:p>
@@ -1237,7 +1243,7 @@
           <a:p>
             <a:fld id="{5AC3791D-9F19-4C4C-B13F-69E095D0287D}" type="datetimeFigureOut">
               <a:rPr lang="ko-KR" altLang="en-US" smtClean="0"/>
-              <a:t>2024-03-11</a:t>
+              <a:t>2024-03-12</a:t>
             </a:fld>
             <a:endParaRPr lang="ko-KR" altLang="en-US"/>
           </a:p>
@@ -1604,7 +1610,7 @@
           <a:p>
             <a:fld id="{5AC3791D-9F19-4C4C-B13F-69E095D0287D}" type="datetimeFigureOut">
               <a:rPr lang="ko-KR" altLang="en-US" smtClean="0"/>
-              <a:t>2024-03-11</a:t>
+              <a:t>2024-03-12</a:t>
             </a:fld>
             <a:endParaRPr lang="ko-KR" altLang="en-US"/>
           </a:p>
@@ -1722,7 +1728,7 @@
           <a:p>
             <a:fld id="{5AC3791D-9F19-4C4C-B13F-69E095D0287D}" type="datetimeFigureOut">
               <a:rPr lang="ko-KR" altLang="en-US" smtClean="0"/>
-              <a:t>2024-03-11</a:t>
+              <a:t>2024-03-12</a:t>
             </a:fld>
             <a:endParaRPr lang="ko-KR" altLang="en-US"/>
           </a:p>
@@ -1817,7 +1823,7 @@
           <a:p>
             <a:fld id="{5AC3791D-9F19-4C4C-B13F-69E095D0287D}" type="datetimeFigureOut">
               <a:rPr lang="ko-KR" altLang="en-US" smtClean="0"/>
-              <a:t>2024-03-11</a:t>
+              <a:t>2024-03-12</a:t>
             </a:fld>
             <a:endParaRPr lang="ko-KR" altLang="en-US"/>
           </a:p>
@@ -2094,7 +2100,7 @@
           <a:p>
             <a:fld id="{5AC3791D-9F19-4C4C-B13F-69E095D0287D}" type="datetimeFigureOut">
               <a:rPr lang="ko-KR" altLang="en-US" smtClean="0"/>
-              <a:t>2024-03-11</a:t>
+              <a:t>2024-03-12</a:t>
             </a:fld>
             <a:endParaRPr lang="ko-KR" altLang="en-US"/>
           </a:p>
@@ -2347,7 +2353,7 @@
           <a:p>
             <a:fld id="{5AC3791D-9F19-4C4C-B13F-69E095D0287D}" type="datetimeFigureOut">
               <a:rPr lang="ko-KR" altLang="en-US" smtClean="0"/>
-              <a:t>2024-03-11</a:t>
+              <a:t>2024-03-12</a:t>
             </a:fld>
             <a:endParaRPr lang="ko-KR" altLang="en-US"/>
           </a:p>
@@ -2560,7 +2566,7 @@
           <a:p>
             <a:fld id="{5AC3791D-9F19-4C4C-B13F-69E095D0287D}" type="datetimeFigureOut">
               <a:rPr lang="ko-KR" altLang="en-US" smtClean="0"/>
-              <a:t>2024-03-11</a:t>
+              <a:t>2024-03-12</a:t>
             </a:fld>
             <a:endParaRPr lang="ko-KR" altLang="en-US"/>
           </a:p>
@@ -3081,7 +3087,7 @@
         </p:nvGrpSpPr>
         <p:grpSpPr>
           <a:xfrm>
-            <a:off x="1637688" y="2224964"/>
+            <a:off x="-1403027" y="2310689"/>
             <a:ext cx="10274912" cy="2258164"/>
             <a:chOff x="1815488" y="2187560"/>
             <a:chExt cx="10274912" cy="2258164"/>
@@ -3768,6 +3774,735 @@
     <p:extLst>
       <p:ext uri="{BB962C8B-B14F-4D97-AF65-F5344CB8AC3E}">
         <p14:creationId xmlns:p14="http://schemas.microsoft.com/office/powerpoint/2010/main" val="3608019635"/>
+      </p:ext>
+    </p:extLst>
+  </p:cSld>
+  <p:clrMapOvr>
+    <a:masterClrMapping/>
+  </p:clrMapOvr>
+</p:sld>
+</file>
+
+<file path=ppt/slides/slide3.xml><?xml version="1.0" encoding="utf-8"?>
+<p:sld xmlns:a="http://schemas.openxmlformats.org/drawingml/2006/main" xmlns:r="http://schemas.openxmlformats.org/officeDocument/2006/relationships" xmlns:p="http://schemas.openxmlformats.org/presentationml/2006/main">
+  <p:cSld>
+    <p:spTree>
+      <p:nvGrpSpPr>
+        <p:cNvPr id="1" name=""/>
+        <p:cNvGrpSpPr/>
+        <p:nvPr/>
+      </p:nvGrpSpPr>
+      <p:grpSpPr>
+        <a:xfrm>
+          <a:off x="0" y="0"/>
+          <a:ext cx="0" cy="0"/>
+          <a:chOff x="0" y="0"/>
+          <a:chExt cx="0" cy="0"/>
+        </a:xfrm>
+      </p:grpSpPr>
+      <p:sp>
+        <p:nvSpPr>
+          <p:cNvPr id="4" name="직사각형 3"/>
+          <p:cNvSpPr/>
+          <p:nvPr/>
+        </p:nvSpPr>
+        <p:spPr>
+          <a:xfrm>
+            <a:off x="1815489" y="1159165"/>
+            <a:ext cx="10124244" cy="4314954"/>
+          </a:xfrm>
+          <a:prstGeom prst="rect">
+            <a:avLst/>
+          </a:prstGeom>
+          <a:noFill/>
+          <a:ln w="53975">
+            <a:solidFill>
+              <a:srgbClr val="FF0000"/>
+            </a:solidFill>
+          </a:ln>
+        </p:spPr>
+        <p:style>
+          <a:lnRef idx="2">
+            <a:schemeClr val="accent1">
+              <a:shade val="50000"/>
+            </a:schemeClr>
+          </a:lnRef>
+          <a:fillRef idx="1">
+            <a:schemeClr val="accent1"/>
+          </a:fillRef>
+          <a:effectRef idx="0">
+            <a:schemeClr val="accent1"/>
+          </a:effectRef>
+          <a:fontRef idx="minor">
+            <a:schemeClr val="lt1"/>
+          </a:fontRef>
+        </p:style>
+        <p:txBody>
+          <a:bodyPr rtlCol="0" anchor="ctr"/>
+          <a:lstStyle/>
+          <a:p>
+            <a:pPr algn="ctr"/>
+            <a:endParaRPr lang="ko-KR" altLang="en-US"/>
+          </a:p>
+        </p:txBody>
+      </p:sp>
+      <p:sp>
+        <p:nvSpPr>
+          <p:cNvPr id="5" name="TextBox 4"/>
+          <p:cNvSpPr txBox="1"/>
+          <p:nvPr/>
+        </p:nvSpPr>
+        <p:spPr>
+          <a:xfrm>
+            <a:off x="4155820" y="683491"/>
+            <a:ext cx="1773925" cy="369332"/>
+          </a:xfrm>
+          <a:prstGeom prst="rect">
+            <a:avLst/>
+          </a:prstGeom>
+          <a:noFill/>
+        </p:spPr>
+        <p:txBody>
+          <a:bodyPr wrap="square" rtlCol="0">
+            <a:spAutoFit/>
+          </a:bodyPr>
+          <a:lstStyle/>
+          <a:p>
+            <a:r>
+              <a:rPr lang="en-US" altLang="ko-KR" dirty="0" smtClean="0"/>
+              <a:t>.</a:t>
+            </a:r>
+            <a:r>
+              <a:rPr lang="en-US" altLang="ko-KR" dirty="0"/>
+              <a:t> </a:t>
+            </a:r>
+            <a:r>
+              <a:rPr lang="en-US" altLang="ko-KR" dirty="0" err="1"/>
+              <a:t>slide_wrapper</a:t>
+            </a:r>
+            <a:endParaRPr lang="en-US" altLang="ko-KR" dirty="0"/>
+          </a:p>
+        </p:txBody>
+      </p:sp>
+      <p:sp>
+        <p:nvSpPr>
+          <p:cNvPr id="7" name="TextBox 6"/>
+          <p:cNvSpPr txBox="1"/>
+          <p:nvPr/>
+        </p:nvSpPr>
+        <p:spPr>
+          <a:xfrm>
+            <a:off x="17728895" y="1826822"/>
+            <a:ext cx="1005949" cy="369332"/>
+          </a:xfrm>
+          <a:prstGeom prst="rect">
+            <a:avLst/>
+          </a:prstGeom>
+          <a:noFill/>
+        </p:spPr>
+        <p:txBody>
+          <a:bodyPr wrap="square" rtlCol="0">
+            <a:spAutoFit/>
+          </a:bodyPr>
+          <a:lstStyle/>
+          <a:p>
+            <a:r>
+              <a:rPr lang="en-US" altLang="ko-KR" dirty="0" smtClean="0"/>
+              <a:t>.</a:t>
+            </a:r>
+            <a:r>
+              <a:rPr lang="en-US" altLang="ko-KR" dirty="0"/>
+              <a:t> slides</a:t>
+            </a:r>
+          </a:p>
+        </p:txBody>
+      </p:sp>
+      <p:grpSp>
+        <p:nvGrpSpPr>
+          <p:cNvPr id="2" name="그룹 1"/>
+          <p:cNvGrpSpPr/>
+          <p:nvPr/>
+        </p:nvGrpSpPr>
+        <p:grpSpPr>
+          <a:xfrm>
+            <a:off x="1889447" y="2196154"/>
+            <a:ext cx="16845397" cy="1889921"/>
+            <a:chOff x="1889447" y="2371682"/>
+            <a:chExt cx="16845397" cy="1889921"/>
+          </a:xfrm>
+        </p:grpSpPr>
+        <p:sp>
+          <p:nvSpPr>
+            <p:cNvPr id="10" name="직사각형 9"/>
+            <p:cNvSpPr/>
+            <p:nvPr/>
+          </p:nvSpPr>
+          <p:spPr>
+            <a:xfrm>
+              <a:off x="1889447" y="2371682"/>
+              <a:ext cx="3289911" cy="1889921"/>
+            </a:xfrm>
+            <a:prstGeom prst="rect">
+              <a:avLst/>
+            </a:prstGeom>
+            <a:noFill/>
+            <a:ln w="53975">
+              <a:solidFill>
+                <a:srgbClr val="FF0000"/>
+              </a:solidFill>
+            </a:ln>
+          </p:spPr>
+          <p:style>
+            <a:lnRef idx="2">
+              <a:schemeClr val="accent1">
+                <a:shade val="50000"/>
+              </a:schemeClr>
+            </a:lnRef>
+            <a:fillRef idx="1">
+              <a:schemeClr val="accent1"/>
+            </a:fillRef>
+            <a:effectRef idx="0">
+              <a:schemeClr val="accent1"/>
+            </a:effectRef>
+            <a:fontRef idx="minor">
+              <a:schemeClr val="lt1"/>
+            </a:fontRef>
+          </p:style>
+          <p:txBody>
+            <a:bodyPr rtlCol="0" anchor="ctr"/>
+            <a:lstStyle/>
+            <a:p>
+              <a:pPr algn="ctr"/>
+              <a:endParaRPr lang="ko-KR" altLang="en-US"/>
+            </a:p>
+          </p:txBody>
+        </p:sp>
+        <p:sp>
+          <p:nvSpPr>
+            <p:cNvPr id="12" name="직사각형 11"/>
+            <p:cNvSpPr/>
+            <p:nvPr/>
+          </p:nvSpPr>
+          <p:spPr>
+            <a:xfrm>
+              <a:off x="5327277" y="2371682"/>
+              <a:ext cx="3289911" cy="1889921"/>
+            </a:xfrm>
+            <a:prstGeom prst="rect">
+              <a:avLst/>
+            </a:prstGeom>
+            <a:noFill/>
+            <a:ln w="53975">
+              <a:solidFill>
+                <a:srgbClr val="FF0000"/>
+              </a:solidFill>
+            </a:ln>
+          </p:spPr>
+          <p:style>
+            <a:lnRef idx="2">
+              <a:schemeClr val="accent1">
+                <a:shade val="50000"/>
+              </a:schemeClr>
+            </a:lnRef>
+            <a:fillRef idx="1">
+              <a:schemeClr val="accent1"/>
+            </a:fillRef>
+            <a:effectRef idx="0">
+              <a:schemeClr val="accent1"/>
+            </a:effectRef>
+            <a:fontRef idx="minor">
+              <a:schemeClr val="lt1"/>
+            </a:fontRef>
+          </p:style>
+          <p:txBody>
+            <a:bodyPr rtlCol="0" anchor="ctr"/>
+            <a:lstStyle/>
+            <a:p>
+              <a:pPr algn="ctr"/>
+              <a:endParaRPr lang="ko-KR" altLang="en-US"/>
+            </a:p>
+          </p:txBody>
+        </p:sp>
+        <p:sp>
+          <p:nvSpPr>
+            <p:cNvPr id="13" name="직사각형 12"/>
+            <p:cNvSpPr/>
+            <p:nvPr/>
+          </p:nvSpPr>
+          <p:spPr>
+            <a:xfrm>
+              <a:off x="8691146" y="2371682"/>
+              <a:ext cx="3289911" cy="1889921"/>
+            </a:xfrm>
+            <a:prstGeom prst="rect">
+              <a:avLst/>
+            </a:prstGeom>
+            <a:noFill/>
+            <a:ln w="53975">
+              <a:solidFill>
+                <a:srgbClr val="FF0000"/>
+              </a:solidFill>
+            </a:ln>
+          </p:spPr>
+          <p:style>
+            <a:lnRef idx="2">
+              <a:schemeClr val="accent1">
+                <a:shade val="50000"/>
+              </a:schemeClr>
+            </a:lnRef>
+            <a:fillRef idx="1">
+              <a:schemeClr val="accent1"/>
+            </a:fillRef>
+            <a:effectRef idx="0">
+              <a:schemeClr val="accent1"/>
+            </a:effectRef>
+            <a:fontRef idx="minor">
+              <a:schemeClr val="lt1"/>
+            </a:fontRef>
+          </p:style>
+          <p:txBody>
+            <a:bodyPr rtlCol="0" anchor="ctr"/>
+            <a:lstStyle/>
+            <a:p>
+              <a:pPr algn="ctr"/>
+              <a:endParaRPr lang="ko-KR" altLang="en-US"/>
+            </a:p>
+          </p:txBody>
+        </p:sp>
+        <p:sp>
+          <p:nvSpPr>
+            <p:cNvPr id="18" name="직사각형 17"/>
+            <p:cNvSpPr/>
+            <p:nvPr/>
+          </p:nvSpPr>
+          <p:spPr>
+            <a:xfrm>
+              <a:off x="12081064" y="2371682"/>
+              <a:ext cx="3289911" cy="1889921"/>
+            </a:xfrm>
+            <a:prstGeom prst="rect">
+              <a:avLst/>
+            </a:prstGeom>
+            <a:noFill/>
+            <a:ln w="53975">
+              <a:solidFill>
+                <a:srgbClr val="FF0000"/>
+              </a:solidFill>
+            </a:ln>
+          </p:spPr>
+          <p:style>
+            <a:lnRef idx="2">
+              <a:schemeClr val="accent1">
+                <a:shade val="50000"/>
+              </a:schemeClr>
+            </a:lnRef>
+            <a:fillRef idx="1">
+              <a:schemeClr val="accent1"/>
+            </a:fillRef>
+            <a:effectRef idx="0">
+              <a:schemeClr val="accent1"/>
+            </a:effectRef>
+            <a:fontRef idx="minor">
+              <a:schemeClr val="lt1"/>
+            </a:fontRef>
+          </p:style>
+          <p:txBody>
+            <a:bodyPr rtlCol="0" anchor="ctr"/>
+            <a:lstStyle/>
+            <a:p>
+              <a:pPr algn="ctr"/>
+              <a:endParaRPr lang="ko-KR" altLang="en-US"/>
+            </a:p>
+          </p:txBody>
+        </p:sp>
+        <p:sp>
+          <p:nvSpPr>
+            <p:cNvPr id="19" name="직사각형 18"/>
+            <p:cNvSpPr/>
+            <p:nvPr/>
+          </p:nvSpPr>
+          <p:spPr>
+            <a:xfrm>
+              <a:off x="15444933" y="2371682"/>
+              <a:ext cx="3289911" cy="1889921"/>
+            </a:xfrm>
+            <a:prstGeom prst="rect">
+              <a:avLst/>
+            </a:prstGeom>
+            <a:noFill/>
+            <a:ln w="53975">
+              <a:solidFill>
+                <a:srgbClr val="FF0000"/>
+              </a:solidFill>
+            </a:ln>
+          </p:spPr>
+          <p:style>
+            <a:lnRef idx="2">
+              <a:schemeClr val="accent1">
+                <a:shade val="50000"/>
+              </a:schemeClr>
+            </a:lnRef>
+            <a:fillRef idx="1">
+              <a:schemeClr val="accent1"/>
+            </a:fillRef>
+            <a:effectRef idx="0">
+              <a:schemeClr val="accent1"/>
+            </a:effectRef>
+            <a:fontRef idx="minor">
+              <a:schemeClr val="lt1"/>
+            </a:fontRef>
+          </p:style>
+          <p:txBody>
+            <a:bodyPr rtlCol="0" anchor="ctr"/>
+            <a:lstStyle/>
+            <a:p>
+              <a:pPr algn="ctr"/>
+              <a:endParaRPr lang="ko-KR" altLang="en-US"/>
+            </a:p>
+          </p:txBody>
+        </p:sp>
+      </p:grpSp>
+      <p:sp>
+        <p:nvSpPr>
+          <p:cNvPr id="20" name="직사각형 19"/>
+          <p:cNvSpPr/>
+          <p:nvPr/>
+        </p:nvSpPr>
+        <p:spPr>
+          <a:xfrm>
+            <a:off x="2177676" y="5965371"/>
+            <a:ext cx="1175123" cy="458451"/>
+          </a:xfrm>
+          <a:prstGeom prst="rect">
+            <a:avLst/>
+          </a:prstGeom>
+          <a:noFill/>
+          <a:ln w="53975">
+            <a:solidFill>
+              <a:srgbClr val="FF0000"/>
+            </a:solidFill>
+          </a:ln>
+        </p:spPr>
+        <p:style>
+          <a:lnRef idx="2">
+            <a:schemeClr val="accent1">
+              <a:shade val="50000"/>
+            </a:schemeClr>
+          </a:lnRef>
+          <a:fillRef idx="1">
+            <a:schemeClr val="accent1"/>
+          </a:fillRef>
+          <a:effectRef idx="0">
+            <a:schemeClr val="accent1"/>
+          </a:effectRef>
+          <a:fontRef idx="minor">
+            <a:schemeClr val="lt1"/>
+          </a:fontRef>
+        </p:style>
+        <p:txBody>
+          <a:bodyPr rtlCol="0" anchor="ctr"/>
+          <a:lstStyle/>
+          <a:p>
+            <a:pPr algn="ctr"/>
+            <a:endParaRPr lang="ko-KR" altLang="en-US"/>
+          </a:p>
+        </p:txBody>
+      </p:sp>
+      <p:sp>
+        <p:nvSpPr>
+          <p:cNvPr id="21" name="직사각형 20"/>
+          <p:cNvSpPr/>
+          <p:nvPr/>
+        </p:nvSpPr>
+        <p:spPr>
+          <a:xfrm>
+            <a:off x="3665030" y="5965371"/>
+            <a:ext cx="1175123" cy="458451"/>
+          </a:xfrm>
+          <a:prstGeom prst="rect">
+            <a:avLst/>
+          </a:prstGeom>
+          <a:noFill/>
+          <a:ln w="53975">
+            <a:solidFill>
+              <a:srgbClr val="FF0000"/>
+            </a:solidFill>
+          </a:ln>
+        </p:spPr>
+        <p:style>
+          <a:lnRef idx="2">
+            <a:schemeClr val="accent1">
+              <a:shade val="50000"/>
+            </a:schemeClr>
+          </a:lnRef>
+          <a:fillRef idx="1">
+            <a:schemeClr val="accent1"/>
+          </a:fillRef>
+          <a:effectRef idx="0">
+            <a:schemeClr val="accent1"/>
+          </a:effectRef>
+          <a:fontRef idx="minor">
+            <a:schemeClr val="lt1"/>
+          </a:fontRef>
+        </p:style>
+        <p:txBody>
+          <a:bodyPr rtlCol="0" anchor="ctr"/>
+          <a:lstStyle/>
+          <a:p>
+            <a:pPr algn="ctr"/>
+            <a:endParaRPr lang="ko-KR" altLang="en-US"/>
+          </a:p>
+        </p:txBody>
+      </p:sp>
+      <p:grpSp>
+        <p:nvGrpSpPr>
+          <p:cNvPr id="34" name="그룹 33"/>
+          <p:cNvGrpSpPr/>
+          <p:nvPr/>
+        </p:nvGrpSpPr>
+        <p:grpSpPr>
+          <a:xfrm>
+            <a:off x="-15141253" y="2196154"/>
+            <a:ext cx="16845397" cy="1889921"/>
+            <a:chOff x="1889447" y="2371682"/>
+            <a:chExt cx="16845397" cy="1889921"/>
+          </a:xfrm>
+        </p:grpSpPr>
+        <p:sp>
+          <p:nvSpPr>
+            <p:cNvPr id="35" name="직사각형 34"/>
+            <p:cNvSpPr/>
+            <p:nvPr/>
+          </p:nvSpPr>
+          <p:spPr>
+            <a:xfrm>
+              <a:off x="1889447" y="2371682"/>
+              <a:ext cx="3289911" cy="1889921"/>
+            </a:xfrm>
+            <a:prstGeom prst="rect">
+              <a:avLst/>
+            </a:prstGeom>
+            <a:noFill/>
+            <a:ln w="53975">
+              <a:solidFill>
+                <a:srgbClr val="FF0000"/>
+              </a:solidFill>
+            </a:ln>
+          </p:spPr>
+          <p:style>
+            <a:lnRef idx="2">
+              <a:schemeClr val="accent1">
+                <a:shade val="50000"/>
+              </a:schemeClr>
+            </a:lnRef>
+            <a:fillRef idx="1">
+              <a:schemeClr val="accent1"/>
+            </a:fillRef>
+            <a:effectRef idx="0">
+              <a:schemeClr val="accent1"/>
+            </a:effectRef>
+            <a:fontRef idx="minor">
+              <a:schemeClr val="lt1"/>
+            </a:fontRef>
+          </p:style>
+          <p:txBody>
+            <a:bodyPr rtlCol="0" anchor="ctr"/>
+            <a:lstStyle/>
+            <a:p>
+              <a:pPr algn="ctr"/>
+              <a:endParaRPr lang="ko-KR" altLang="en-US"/>
+            </a:p>
+          </p:txBody>
+        </p:sp>
+        <p:sp>
+          <p:nvSpPr>
+            <p:cNvPr id="36" name="직사각형 35"/>
+            <p:cNvSpPr/>
+            <p:nvPr/>
+          </p:nvSpPr>
+          <p:spPr>
+            <a:xfrm>
+              <a:off x="5327277" y="2371682"/>
+              <a:ext cx="3289911" cy="1889921"/>
+            </a:xfrm>
+            <a:prstGeom prst="rect">
+              <a:avLst/>
+            </a:prstGeom>
+            <a:noFill/>
+            <a:ln w="53975">
+              <a:solidFill>
+                <a:srgbClr val="FF0000"/>
+              </a:solidFill>
+            </a:ln>
+          </p:spPr>
+          <p:style>
+            <a:lnRef idx="2">
+              <a:schemeClr val="accent1">
+                <a:shade val="50000"/>
+              </a:schemeClr>
+            </a:lnRef>
+            <a:fillRef idx="1">
+              <a:schemeClr val="accent1"/>
+            </a:fillRef>
+            <a:effectRef idx="0">
+              <a:schemeClr val="accent1"/>
+            </a:effectRef>
+            <a:fontRef idx="minor">
+              <a:schemeClr val="lt1"/>
+            </a:fontRef>
+          </p:style>
+          <p:txBody>
+            <a:bodyPr rtlCol="0" anchor="ctr"/>
+            <a:lstStyle/>
+            <a:p>
+              <a:pPr algn="ctr"/>
+              <a:endParaRPr lang="ko-KR" altLang="en-US"/>
+            </a:p>
+          </p:txBody>
+        </p:sp>
+        <p:sp>
+          <p:nvSpPr>
+            <p:cNvPr id="37" name="직사각형 36"/>
+            <p:cNvSpPr/>
+            <p:nvPr/>
+          </p:nvSpPr>
+          <p:spPr>
+            <a:xfrm>
+              <a:off x="8691146" y="2371682"/>
+              <a:ext cx="3289911" cy="1889921"/>
+            </a:xfrm>
+            <a:prstGeom prst="rect">
+              <a:avLst/>
+            </a:prstGeom>
+            <a:noFill/>
+            <a:ln w="53975">
+              <a:solidFill>
+                <a:srgbClr val="FF0000"/>
+              </a:solidFill>
+            </a:ln>
+          </p:spPr>
+          <p:style>
+            <a:lnRef idx="2">
+              <a:schemeClr val="accent1">
+                <a:shade val="50000"/>
+              </a:schemeClr>
+            </a:lnRef>
+            <a:fillRef idx="1">
+              <a:schemeClr val="accent1"/>
+            </a:fillRef>
+            <a:effectRef idx="0">
+              <a:schemeClr val="accent1"/>
+            </a:effectRef>
+            <a:fontRef idx="minor">
+              <a:schemeClr val="lt1"/>
+            </a:fontRef>
+          </p:style>
+          <p:txBody>
+            <a:bodyPr rtlCol="0" anchor="ctr"/>
+            <a:lstStyle/>
+            <a:p>
+              <a:pPr algn="ctr"/>
+              <a:endParaRPr lang="ko-KR" altLang="en-US"/>
+            </a:p>
+          </p:txBody>
+        </p:sp>
+        <p:sp>
+          <p:nvSpPr>
+            <p:cNvPr id="38" name="직사각형 37"/>
+            <p:cNvSpPr/>
+            <p:nvPr/>
+          </p:nvSpPr>
+          <p:spPr>
+            <a:xfrm>
+              <a:off x="12081064" y="2371682"/>
+              <a:ext cx="3289911" cy="1889921"/>
+            </a:xfrm>
+            <a:prstGeom prst="rect">
+              <a:avLst/>
+            </a:prstGeom>
+            <a:noFill/>
+            <a:ln w="53975">
+              <a:solidFill>
+                <a:srgbClr val="FF0000"/>
+              </a:solidFill>
+            </a:ln>
+          </p:spPr>
+          <p:style>
+            <a:lnRef idx="2">
+              <a:schemeClr val="accent1">
+                <a:shade val="50000"/>
+              </a:schemeClr>
+            </a:lnRef>
+            <a:fillRef idx="1">
+              <a:schemeClr val="accent1"/>
+            </a:fillRef>
+            <a:effectRef idx="0">
+              <a:schemeClr val="accent1"/>
+            </a:effectRef>
+            <a:fontRef idx="minor">
+              <a:schemeClr val="lt1"/>
+            </a:fontRef>
+          </p:style>
+          <p:txBody>
+            <a:bodyPr rtlCol="0" anchor="ctr"/>
+            <a:lstStyle/>
+            <a:p>
+              <a:pPr algn="ctr"/>
+              <a:endParaRPr lang="ko-KR" altLang="en-US"/>
+            </a:p>
+          </p:txBody>
+        </p:sp>
+        <p:sp>
+          <p:nvSpPr>
+            <p:cNvPr id="39" name="직사각형 38"/>
+            <p:cNvSpPr/>
+            <p:nvPr/>
+          </p:nvSpPr>
+          <p:spPr>
+            <a:xfrm>
+              <a:off x="15444933" y="2371682"/>
+              <a:ext cx="3289911" cy="1889921"/>
+            </a:xfrm>
+            <a:prstGeom prst="rect">
+              <a:avLst/>
+            </a:prstGeom>
+            <a:noFill/>
+            <a:ln w="53975">
+              <a:solidFill>
+                <a:srgbClr val="FF0000"/>
+              </a:solidFill>
+            </a:ln>
+          </p:spPr>
+          <p:style>
+            <a:lnRef idx="2">
+              <a:schemeClr val="accent1">
+                <a:shade val="50000"/>
+              </a:schemeClr>
+            </a:lnRef>
+            <a:fillRef idx="1">
+              <a:schemeClr val="accent1"/>
+            </a:fillRef>
+            <a:effectRef idx="0">
+              <a:schemeClr val="accent1"/>
+            </a:effectRef>
+            <a:fontRef idx="minor">
+              <a:schemeClr val="lt1"/>
+            </a:fontRef>
+          </p:style>
+          <p:txBody>
+            <a:bodyPr rtlCol="0" anchor="ctr"/>
+            <a:lstStyle/>
+            <a:p>
+              <a:pPr algn="ctr"/>
+              <a:endParaRPr lang="ko-KR" altLang="en-US"/>
+            </a:p>
+          </p:txBody>
+        </p:sp>
+      </p:grpSp>
+    </p:spTree>
+    <p:extLst>
+      <p:ext uri="{BB962C8B-B14F-4D97-AF65-F5344CB8AC3E}">
+        <p14:creationId xmlns:p14="http://schemas.microsoft.com/office/powerpoint/2010/main" val="1097265910"/>
       </p:ext>
     </p:extLst>
   </p:cSld>
